--- a/demo/lesson/lesson/第一周汇报.pptx
+++ b/demo/lesson/lesson/第一周汇报.pptx
@@ -21242,7 +21242,7 @@
                 <a:cs typeface="+mn-ea"/>
                 <a:sym typeface="+mn-lt"/>
               </a:rPr>
-              <a:t>07</a:t>
+              <a:t>08</a:t>
             </a:r>
             <a:endParaRPr lang="zh-CN" altLang="en-US" sz="6600" b="1" dirty="0">
               <a:solidFill>
